--- a/materials/session_17/T/ML-Session17-T.pptx
+++ b/materials/session_17/T/ML-Session17-T.pptx
@@ -138,7 +138,7 @@
 <file path=ppt/revisionInfo.xml><?xml version="1.0" encoding="utf-8"?>
 <p1510:revInfo xmlns:a="http://schemas.openxmlformats.org/drawingml/2006/main" xmlns:r="http://schemas.openxmlformats.org/officeDocument/2006/relationships" xmlns:p1510="http://schemas.microsoft.com/office/powerpoint/2015/10/main">
   <p1510:revLst>
-    <p1510:client id="{4A290D8B-E102-7565-8822-471E93D2B5E7}" v="76" dt="2024-04-17T22:10:31.721"/>
+    <p1510:client id="{CA50F729-2290-C0CC-A508-BAC31F1E1D6B}" v="4" dt="2024-04-21T20:30:36.587"/>
   </p1510:revLst>
 </p1510:revInfo>
 </file>
@@ -272,7 +272,7 @@
           <a:p>
             <a:fld id="{E431C0BB-DC71-4713-A787-95011EDB8CA8}" type="datetimeFigureOut">
               <a:rPr lang="pt-PT" smtClean="0"/>
-              <a:t>17/04/2024</a:t>
+              <a:t>21/04/2024</a:t>
             </a:fld>
             <a:endParaRPr lang="pt-PT"/>
           </a:p>
@@ -440,7 +440,7 @@
           <a:p>
             <a:fld id="{E431C0BB-DC71-4713-A787-95011EDB8CA8}" type="datetimeFigureOut">
               <a:rPr lang="pt-PT" smtClean="0"/>
-              <a:t>17/04/2024</a:t>
+              <a:t>21/04/2024</a:t>
             </a:fld>
             <a:endParaRPr lang="pt-PT"/>
           </a:p>
@@ -618,7 +618,7 @@
           <a:p>
             <a:fld id="{E431C0BB-DC71-4713-A787-95011EDB8CA8}" type="datetimeFigureOut">
               <a:rPr lang="pt-PT" smtClean="0"/>
-              <a:t>17/04/2024</a:t>
+              <a:t>21/04/2024</a:t>
             </a:fld>
             <a:endParaRPr lang="pt-PT"/>
           </a:p>
@@ -786,7 +786,7 @@
           <a:p>
             <a:fld id="{E431C0BB-DC71-4713-A787-95011EDB8CA8}" type="datetimeFigureOut">
               <a:rPr lang="pt-PT" smtClean="0"/>
-              <a:t>17/04/2024</a:t>
+              <a:t>21/04/2024</a:t>
             </a:fld>
             <a:endParaRPr lang="pt-PT"/>
           </a:p>
@@ -1031,7 +1031,7 @@
           <a:p>
             <a:fld id="{E431C0BB-DC71-4713-A787-95011EDB8CA8}" type="datetimeFigureOut">
               <a:rPr lang="pt-PT" smtClean="0"/>
-              <a:t>17/04/2024</a:t>
+              <a:t>21/04/2024</a:t>
             </a:fld>
             <a:endParaRPr lang="pt-PT"/>
           </a:p>
@@ -1260,7 +1260,7 @@
           <a:p>
             <a:fld id="{E431C0BB-DC71-4713-A787-95011EDB8CA8}" type="datetimeFigureOut">
               <a:rPr lang="pt-PT" smtClean="0"/>
-              <a:t>17/04/2024</a:t>
+              <a:t>21/04/2024</a:t>
             </a:fld>
             <a:endParaRPr lang="pt-PT"/>
           </a:p>
@@ -1624,7 +1624,7 @@
           <a:p>
             <a:fld id="{E431C0BB-DC71-4713-A787-95011EDB8CA8}" type="datetimeFigureOut">
               <a:rPr lang="pt-PT" smtClean="0"/>
-              <a:t>17/04/2024</a:t>
+              <a:t>21/04/2024</a:t>
             </a:fld>
             <a:endParaRPr lang="pt-PT"/>
           </a:p>
@@ -1741,7 +1741,7 @@
           <a:p>
             <a:fld id="{E431C0BB-DC71-4713-A787-95011EDB8CA8}" type="datetimeFigureOut">
               <a:rPr lang="pt-PT" smtClean="0"/>
-              <a:t>17/04/2024</a:t>
+              <a:t>21/04/2024</a:t>
             </a:fld>
             <a:endParaRPr lang="pt-PT"/>
           </a:p>
@@ -1836,7 +1836,7 @@
           <a:p>
             <a:fld id="{E431C0BB-DC71-4713-A787-95011EDB8CA8}" type="datetimeFigureOut">
               <a:rPr lang="pt-PT" smtClean="0"/>
-              <a:t>17/04/2024</a:t>
+              <a:t>21/04/2024</a:t>
             </a:fld>
             <a:endParaRPr lang="pt-PT"/>
           </a:p>
@@ -2111,7 +2111,7 @@
           <a:p>
             <a:fld id="{E431C0BB-DC71-4713-A787-95011EDB8CA8}" type="datetimeFigureOut">
               <a:rPr lang="pt-PT" smtClean="0"/>
-              <a:t>17/04/2024</a:t>
+              <a:t>21/04/2024</a:t>
             </a:fld>
             <a:endParaRPr lang="pt-PT"/>
           </a:p>
@@ -2363,7 +2363,7 @@
           <a:p>
             <a:fld id="{E431C0BB-DC71-4713-A787-95011EDB8CA8}" type="datetimeFigureOut">
               <a:rPr lang="pt-PT" smtClean="0"/>
-              <a:t>17/04/2024</a:t>
+              <a:t>21/04/2024</a:t>
             </a:fld>
             <a:endParaRPr lang="pt-PT"/>
           </a:p>
@@ -2574,7 +2574,7 @@
           <a:p>
             <a:fld id="{E431C0BB-DC71-4713-A787-95011EDB8CA8}" type="datetimeFigureOut">
               <a:rPr lang="pt-PT" smtClean="0"/>
-              <a:t>17/04/2024</a:t>
+              <a:t>21/04/2024</a:t>
             </a:fld>
             <a:endParaRPr lang="pt-PT"/>
           </a:p>
@@ -16007,7 +16007,7 @@
                 <a:latin typeface="Cambria"/>
                 <a:ea typeface="Cambria"/>
               </a:rPr>
-              <a:t>All</a:t>
+              <a:t>One</a:t>
             </a:r>
             <a:r>
               <a:rPr lang="pt-PT" sz="3600" b="1" dirty="0">
@@ -16017,7 +16017,7 @@
                 <a:latin typeface="Cambria"/>
                 <a:ea typeface="Cambria"/>
               </a:rPr>
-              <a:t> </a:t>
+              <a:t> </a:t>
             </a:r>
             <a:r>
               <a:rPr lang="pt-PT" sz="3600" b="1" dirty="0" err="1">
